--- a/Interconexao_em_Sistemas_de_Automacao_e_TI/Material/AULA 2 - Inciando programação C#.pptx
+++ b/Interconexao_em_Sistemas_de_Automacao_e_TI/Material/AULA 2 - Inciando programação C#.pptx
@@ -237,7 +237,7 @@
             <a:pPr rtl="0"/>
             <a:fld id="{607324BF-BDFF-475D-8345-40FEBF76508C}" type="datetime1">
               <a:rPr lang="pt-BR" smtClean="0"/>
-              <a:t>28/07/2021</a:t>
+              <a:t>02/08/2021</a:t>
             </a:fld>
             <a:endParaRPr lang="pt-BR" dirty="0"/>
           </a:p>
@@ -418,7 +418,7 @@
             <a:fld id="{0CCC7746-12A2-402E-9420-FF89023FB426}" type="datetime1">
               <a:rPr lang="pt-BR" smtClean="0"/>
               <a:pPr/>
-              <a:t>28/07/2021</a:t>
+              <a:t>02/08/2021</a:t>
             </a:fld>
             <a:endParaRPr lang="pt-BR" dirty="0"/>
           </a:p>
@@ -1413,7 +1413,7 @@
             <a:pPr rtl="0"/>
             <a:fld id="{F0262269-8DE3-46E3-A4FA-AC20F28AC566}" type="datetime1">
               <a:rPr lang="pt-BR" noProof="0" smtClean="0"/>
-              <a:t>28/07/2021</a:t>
+              <a:t>02/08/2021</a:t>
             </a:fld>
             <a:endParaRPr lang="pt-BR" noProof="0" dirty="0"/>
           </a:p>
@@ -2643,7 +2643,7 @@
             <a:pPr rtl="0"/>
             <a:fld id="{DAE8DD34-F7A4-4856-9980-72C2A29CB3DA}" type="datetime1">
               <a:rPr lang="pt-BR" noProof="0" smtClean="0"/>
-              <a:t>28/07/2021</a:t>
+              <a:t>02/08/2021</a:t>
             </a:fld>
             <a:endParaRPr lang="pt-BR" noProof="0" dirty="0"/>
           </a:p>
@@ -4124,7 +4124,7 @@
             <a:pPr rtl="0"/>
             <a:fld id="{F70F0AD9-3246-43E8-9105-ED029BB08591}" type="datetime1">
               <a:rPr lang="pt-BR" noProof="0" smtClean="0"/>
-              <a:t>28/07/2021</a:t>
+              <a:t>02/08/2021</a:t>
             </a:fld>
             <a:endParaRPr lang="pt-BR" noProof="0" dirty="0"/>
           </a:p>
@@ -4444,7 +4444,7 @@
             <a:pPr rtl="0"/>
             <a:fld id="{FF8BFBFC-FC9A-45FF-88AC-5C061B192E1A}" type="datetime1">
               <a:rPr lang="pt-BR" noProof="0" smtClean="0"/>
-              <a:t>28/07/2021</a:t>
+              <a:t>02/08/2021</a:t>
             </a:fld>
             <a:endParaRPr lang="pt-BR" noProof="0" dirty="0"/>
           </a:p>
@@ -4874,7 +4874,7 @@
             <a:pPr rtl="0"/>
             <a:fld id="{B3CD2F06-7D10-46A9-8782-D965D8D8C427}" type="datetime1">
               <a:rPr lang="pt-BR" noProof="0" smtClean="0"/>
-              <a:t>28/07/2021</a:t>
+              <a:t>02/08/2021</a:t>
             </a:fld>
             <a:endParaRPr lang="pt-BR" noProof="0" dirty="0"/>
           </a:p>
@@ -5042,7 +5042,7 @@
             <a:pPr rtl="0"/>
             <a:fld id="{97AEC7AE-1A3B-4CE5-BD7F-3CD6A4C28CB6}" type="datetime1">
               <a:rPr lang="pt-BR" noProof="0" smtClean="0"/>
-              <a:t>28/07/2021</a:t>
+              <a:t>02/08/2021</a:t>
             </a:fld>
             <a:endParaRPr lang="pt-BR" noProof="0" dirty="0"/>
           </a:p>
@@ -5187,7 +5187,7 @@
             <a:pPr rtl="0"/>
             <a:fld id="{451A5A4F-73AA-4B59-A374-2E032CF5D248}" type="datetime1">
               <a:rPr lang="pt-BR" noProof="0" smtClean="0"/>
-              <a:t>28/07/2021</a:t>
+              <a:t>02/08/2021</a:t>
             </a:fld>
             <a:endParaRPr lang="pt-BR" noProof="0" dirty="0"/>
           </a:p>
@@ -5442,7 +5442,7 @@
             <a:pPr rtl="0"/>
             <a:fld id="{9F87A07E-9A9A-41CF-AD71-30A6F9D37B27}" type="datetime1">
               <a:rPr lang="pt-BR" noProof="0" smtClean="0"/>
-              <a:t>28/07/2021</a:t>
+              <a:t>02/08/2021</a:t>
             </a:fld>
             <a:endParaRPr lang="pt-BR" noProof="0" dirty="0"/>
           </a:p>
@@ -6507,7 +6507,7 @@
             <a:pPr rtl="0"/>
             <a:fld id="{FBB247CF-D4FE-436A-9B26-D19E3D2A4A2B}" type="datetime1">
               <a:rPr lang="pt-BR" noProof="0" smtClean="0"/>
-              <a:t>28/07/2021</a:t>
+              <a:t>02/08/2021</a:t>
             </a:fld>
             <a:endParaRPr lang="pt-BR" noProof="0" dirty="0"/>
           </a:p>
@@ -7145,7 +7145,7 @@
             <a:pPr rtl="0"/>
             <a:fld id="{7112906F-8790-4782-81CB-C4BCC111C5A3}" type="datetime1">
               <a:rPr lang="pt-BR" noProof="0" smtClean="0"/>
-              <a:t>28/07/2021</a:t>
+              <a:t>02/08/2021</a:t>
             </a:fld>
             <a:endParaRPr lang="pt-BR" noProof="0" dirty="0"/>
           </a:p>
@@ -8073,7 +8073,7 @@
             <a:pPr rtl="0"/>
             <a:fld id="{366A5F8F-A49F-488C-A638-B8E6D208A58D}" type="datetime1">
               <a:rPr lang="pt-BR" noProof="0" smtClean="0"/>
-              <a:t>28/07/2021</a:t>
+              <a:t>02/08/2021</a:t>
             </a:fld>
             <a:endParaRPr lang="pt-BR" noProof="0" dirty="0"/>
           </a:p>
@@ -9232,7 +9232,7 @@
             <a:pPr rtl="0"/>
             <a:fld id="{246C62B2-06D8-4E03-A0D1-B648B65A2C1E}" type="datetime1">
               <a:rPr lang="pt-BR" noProof="0" smtClean="0"/>
-              <a:t>28/07/2021</a:t>
+              <a:t>02/08/2021</a:t>
             </a:fld>
             <a:endParaRPr lang="pt-BR" noProof="0" dirty="0"/>
           </a:p>
@@ -10573,7 +10573,7 @@
             <a:pPr rtl="0"/>
             <a:fld id="{E98D6FB5-79D0-47E5-BD5C-34C35A33C9AA}" type="datetime1">
               <a:rPr lang="pt-BR" noProof="0" smtClean="0"/>
-              <a:t>28/07/2021</a:t>
+              <a:t>02/08/2021</a:t>
             </a:fld>
             <a:endParaRPr lang="pt-BR" noProof="0" dirty="0"/>
           </a:p>
@@ -11622,7 +11622,7 @@
             <a:pPr rtl="0"/>
             <a:fld id="{BFF837EF-7D0A-4DE9-9D6B-548F037CD0BB}" type="datetime1">
               <a:rPr lang="pt-BR" noProof="0" smtClean="0"/>
-              <a:t>28/07/2021</a:t>
+              <a:t>02/08/2021</a:t>
             </a:fld>
             <a:endParaRPr lang="pt-BR" noProof="0" dirty="0"/>
           </a:p>
@@ -12636,7 +12636,7 @@
             <a:pPr rtl="0"/>
             <a:fld id="{D7DB347D-3C51-4B5D-A540-C7B2780C75C9}" type="datetime1">
               <a:rPr lang="pt-BR" noProof="0" smtClean="0"/>
-              <a:t>28/07/2021</a:t>
+              <a:t>02/08/2021</a:t>
             </a:fld>
             <a:endParaRPr lang="pt-BR" noProof="0" dirty="0"/>
           </a:p>
@@ -14080,7 +14080,7 @@
             <a:pPr rtl="0"/>
             <a:fld id="{B809AE05-D20B-4C34-ACF8-736C985841D1}" type="datetime1">
               <a:rPr lang="pt-BR" noProof="0" smtClean="0"/>
-              <a:t>28/07/2021</a:t>
+              <a:t>02/08/2021</a:t>
             </a:fld>
             <a:endParaRPr lang="pt-BR" noProof="0" dirty="0"/>
           </a:p>
@@ -19812,21 +19812,21 @@
 </file>
 
 <file path=customXml/item1.xml><?xml version="1.0" encoding="utf-8"?>
+<p:properties xmlns:p="http://schemas.microsoft.com/office/2006/metadata/properties" xmlns:xsi="http://www.w3.org/2001/XMLSchema-instance" xmlns:pc="http://schemas.microsoft.com/office/infopath/2007/PartnerControls">
+  <documentManagement>
+    <_ip_UnifiedCompliancePolicyUIAction xmlns="http://schemas.microsoft.com/sharepoint/v3" xsi:nil="true"/>
+    <_ip_UnifiedCompliancePolicyProperties xmlns="http://schemas.microsoft.com/sharepoint/v3" xsi:nil="true"/>
+  </documentManagement>
+</p:properties>
+</file>
+
+<file path=customXml/item2.xml><?xml version="1.0" encoding="utf-8"?>
 <?mso-contentType ?>
 <FormTemplates xmlns="http://schemas.microsoft.com/sharepoint/v3/contenttype/forms">
   <Display>DocumentLibraryForm</Display>
   <Edit>DocumentLibraryForm</Edit>
   <New>DocumentLibraryForm</New>
 </FormTemplates>
-</file>
-
-<file path=customXml/item2.xml><?xml version="1.0" encoding="utf-8"?>
-<p:properties xmlns:p="http://schemas.microsoft.com/office/2006/metadata/properties" xmlns:xsi="http://www.w3.org/2001/XMLSchema-instance" xmlns:pc="http://schemas.microsoft.com/office/infopath/2007/PartnerControls">
-  <documentManagement>
-    <_ip_UnifiedCompliancePolicyUIAction xmlns="http://schemas.microsoft.com/sharepoint/v3" xsi:nil="true"/>
-    <_ip_UnifiedCompliancePolicyProperties xmlns="http://schemas.microsoft.com/sharepoint/v3" xsi:nil="true"/>
-  </documentManagement>
-</p:properties>
 </file>
 
 <file path=customXml/item3.xml><?xml version="1.0" encoding="utf-8"?>
@@ -20038,14 +20038,6 @@
 </file>
 
 <file path=customXml/itemProps1.xml><?xml version="1.0" encoding="utf-8"?>
-<ds:datastoreItem xmlns:ds="http://schemas.openxmlformats.org/officeDocument/2006/customXml" ds:itemID="{883E0B16-80BF-4868-8813-6B17170D724D}">
-  <ds:schemaRefs>
-    <ds:schemaRef ds:uri="http://schemas.microsoft.com/sharepoint/v3/contenttype/forms"/>
-  </ds:schemaRefs>
-</ds:datastoreItem>
-</file>
-
-<file path=customXml/itemProps2.xml><?xml version="1.0" encoding="utf-8"?>
 <ds:datastoreItem xmlns:ds="http://schemas.openxmlformats.org/officeDocument/2006/customXml" ds:itemID="{4DA1C8E2-513F-4C9C-99C7-9AE0E7429B06}">
   <ds:schemaRefs>
     <ds:schemaRef ds:uri="fb0879af-3eba-417a-a55a-ffe6dcd6ca77"/>
@@ -20059,6 +20051,14 @@
     <ds:schemaRef ds:uri="http://schemas.microsoft.com/office/infopath/2007/PartnerControls"/>
     <ds:schemaRef ds:uri="http://www.w3.org/XML/1998/namespace"/>
     <ds:schemaRef ds:uri="http://purl.org/dc/terms/"/>
+  </ds:schemaRefs>
+</ds:datastoreItem>
+</file>
+
+<file path=customXml/itemProps2.xml><?xml version="1.0" encoding="utf-8"?>
+<ds:datastoreItem xmlns:ds="http://schemas.openxmlformats.org/officeDocument/2006/customXml" ds:itemID="{883E0B16-80BF-4868-8813-6B17170D724D}">
+  <ds:schemaRefs>
+    <ds:schemaRef ds:uri="http://schemas.microsoft.com/sharepoint/v3/contenttype/forms"/>
   </ds:schemaRefs>
 </ds:datastoreItem>
 </file>
